--- a/NET Core/asp.net core webapi基础知识.pptx
+++ b/NET Core/asp.net core webapi基础知识.pptx
@@ -172,6 +172,50 @@
       </a:defRPr>
     </a:lvl9pPr>
   </p:defaultTextStyle>
+  <p:extLst>
+    <p:ext uri="{EFAFB233-063F-42B5-8137-9DF3F51BA10A}">
+      <p15:sldGuideLst xmlns:p15="http://schemas.microsoft.com/office/powerpoint/2012/main">
+        <p15:guide id="1" orient="horz" pos="373">
+          <p15:clr>
+            <a:srgbClr val="A4A3A4"/>
+          </p15:clr>
+        </p15:guide>
+        <p15:guide id="2" orient="horz" pos="4199">
+          <p15:clr>
+            <a:srgbClr val="A4A3A4"/>
+          </p15:clr>
+        </p15:guide>
+        <p15:guide id="3" pos="4052">
+          <p15:clr>
+            <a:srgbClr val="A4A3A4"/>
+          </p15:clr>
+        </p15:guide>
+        <p15:guide id="4" pos="557">
+          <p15:clr>
+            <a:srgbClr val="A4A3A4"/>
+          </p15:clr>
+        </p15:guide>
+        <p15:guide id="5" pos="7576">
+          <p15:clr>
+            <a:srgbClr val="A4A3A4"/>
+          </p15:clr>
+        </p15:guide>
+        <p15:guide id="6" pos="393">
+          <p15:clr>
+            <a:srgbClr val="A4A3A4"/>
+          </p15:clr>
+        </p15:guide>
+        <p15:guide id="7" pos="1280">
+          <p15:clr>
+            <a:srgbClr val="A4A3A4"/>
+          </p15:clr>
+        </p15:guide>
+      </p15:sldGuideLst>
+    </p:ext>
+    <p:ext uri="{2D200454-40CA-4A62-9FC3-DE9A4176ACB9}">
+      <p15:notesGuideLst xmlns:p15="http://schemas.microsoft.com/office/powerpoint/2012/main"/>
+    </p:ext>
+  </p:extLst>
 </p:presentation>
 </file>
 
@@ -257,7 +301,7 @@
           <a:p>
             <a:fld id="{717742FC-62BB-4B81-9CA5-3B750A4B4580}" type="datetimeFigureOut">
               <a:rPr lang="zh-CN" altLang="en-US" smtClean="0"/>
-              <a:t>2018-08-10</a:t>
+              <a:t>2020/1/8</a:t>
             </a:fld>
             <a:endParaRPr lang="zh-CN" altLang="en-US"/>
           </a:p>
@@ -428,7 +472,7 @@
             </a:pPr>
             <a:fld id="{06024D97-E667-405D-B634-E583E2108D71}" type="datetimeFigureOut">
               <a:rPr lang="zh-CN" altLang="en-US"/>
-              <a:t>2018-08-10</a:t>
+              <a:t>2020/1/8</a:t>
             </a:fld>
             <a:endParaRPr lang="zh-CN" altLang="en-US"/>
           </a:p>
@@ -3549,7 +3593,7 @@
           <a:p>
             <a:fld id="{43A93E93-166D-47F5-9EF1-ACEABE24AEEA}" type="datetimeFigureOut">
               <a:rPr lang="zh-CN" altLang="en-US" smtClean="0"/>
-              <a:t>2018-08-10</a:t>
+              <a:t>2020/1/8</a:t>
             </a:fld>
             <a:endParaRPr lang="zh-CN" altLang="en-US"/>
           </a:p>
@@ -7493,15 +7537,23 @@
           <a:p>
             <a:r>
               <a:rPr lang="zh-CN" altLang="en-US" dirty="0" smtClean="0"/>
-              <a:t>当一个配置类你可能同时有多项配置，但彼此又不属于同一个集合时，你可以通过</a:t>
-            </a:r>
-            <a:r>
-              <a:rPr lang="en-US" altLang="zh-CN" b="1" dirty="0" err="1" smtClean="0"/>
-              <a:t>IOptions</a:t>
+              <a:t>当一个配置类你可能同时有多项配置，但彼此又不属于同一个集合时，你可以</a:t>
+            </a:r>
+            <a:r>
+              <a:rPr lang="zh-CN" altLang="en-US" dirty="0" smtClean="0"/>
+              <a:t>通过</a:t>
+            </a:r>
+            <a:r>
+              <a:rPr lang="en-US" altLang="zh-CN" b="1" dirty="0" err="1"/>
+              <a:t>IOptionsSnapshot</a:t>
             </a:r>
             <a:r>
               <a:rPr lang="en-US" altLang="zh-CN" b="1" dirty="0" smtClean="0"/>
-              <a:t>&lt;T&gt;.Get</a:t>
+              <a:t>&lt;T</a:t>
+            </a:r>
+            <a:r>
+              <a:rPr lang="en-US" altLang="zh-CN" b="1" dirty="0" smtClean="0"/>
+              <a:t>&gt;.Get</a:t>
             </a:r>
             <a:r>
               <a:rPr lang="zh-CN" altLang="en-US" dirty="0" smtClean="0"/>
@@ -20712,7 +20764,7 @@
   <a:extraClrSchemeLst/>
   <a:extLst>
     <a:ext uri="{05A4C25C-085E-4340-85A3-A5531E510DB2}">
-      <thm15:themeFamily xmlns="" xmlns:thm15="http://schemas.microsoft.com/office/thememl/2012/main" name="Office Theme" id="{62F939B6-93AF-4DB8-9C6B-D6C7DFDC589F}" vid="{4A3C46E8-61CC-4603-A589-7422A47A8E4A}"/>
+      <thm15:themeFamily xmlns:thm15="http://schemas.microsoft.com/office/thememl/2012/main" name="Office Theme" id="{62F939B6-93AF-4DB8-9C6B-D6C7DFDC589F}" vid="{4A3C46E8-61CC-4603-A589-7422A47A8E4A}"/>
     </a:ext>
   </a:extLst>
 </a:theme>
@@ -21002,7 +21054,7 @@
   <a:extraClrSchemeLst/>
   <a:extLst>
     <a:ext uri="{05A4C25C-085E-4340-85A3-A5531E510DB2}">
-      <thm15:themeFamily xmlns="" xmlns:thm15="http://schemas.microsoft.com/office/thememl/2012/main" name="Office Theme" id="{62F939B6-93AF-4DB8-9C6B-D6C7DFDC589F}" vid="{4A3C46E8-61CC-4603-A589-7422A47A8E4A}"/>
+      <thm15:themeFamily xmlns:thm15="http://schemas.microsoft.com/office/thememl/2012/main" name="Office Theme" id="{62F939B6-93AF-4DB8-9C6B-D6C7DFDC589F}" vid="{4A3C46E8-61CC-4603-A589-7422A47A8E4A}"/>
     </a:ext>
   </a:extLst>
 </a:theme>
@@ -21263,7 +21315,7 @@
   <a:extraClrSchemeLst/>
   <a:extLst>
     <a:ext uri="{05A4C25C-085E-4340-85A3-A5531E510DB2}">
-      <thm15:themeFamily xmlns="" xmlns:thm15="http://schemas.microsoft.com/office/thememl/2012/main" name="Office Theme" id="{62F939B6-93AF-4DB8-9C6B-D6C7DFDC589F}" vid="{4A3C46E8-61CC-4603-A589-7422A47A8E4A}"/>
+      <thm15:themeFamily xmlns:thm15="http://schemas.microsoft.com/office/thememl/2012/main" name="Office Theme" id="{62F939B6-93AF-4DB8-9C6B-D6C7DFDC589F}" vid="{4A3C46E8-61CC-4603-A589-7422A47A8E4A}"/>
     </a:ext>
   </a:extLst>
 </a:theme>
